--- a/backend/static/generated/certificates_ojt.pptx
+++ b/backend/static/generated/certificates_ojt.pptx
@@ -9,6 +9,9 @@
     <p:sldId id="308" r:id="rId7"/>
     <p:sldId id="309" r:id="rId8"/>
     <p:sldId id="310" r:id="rId9"/>
+    <p:sldId id="311" r:id="rId10"/>
+    <p:sldId id="312" r:id="rId11"/>
+    <p:sldId id="313" r:id="rId12"/>
   </p:sldIdLst>
   <p:sldSz cx="9144000" cy="6858000" type="letter"/>
   <p:notesSz cx="6858000" cy="9144000"/>
@@ -3040,7 +3043,7 @@
             <a:pPr algn="ctr"/>
             <a:r>
               <a:rPr lang="en-US" sz="3600" b="1" dirty="0"/>
-              <a:t>{Name}</a:t>
+              <a:t>Zhong Li</a:t>
             </a:r>
             <a:endParaRPr lang="en-US" sz="9600" b="1" dirty="0"/>
           </a:p>
@@ -3077,30 +3080,30 @@
             <a:pPr algn="ctr"/>
             <a:r>
               <a:rPr lang="en-US" sz="1600" b="1" dirty="0"/>
-              <a:t>{School}</a:t>
+              <a:t>Batangas State University</a:t>
             </a:r>
           </a:p>
           <a:p>
             <a:pPr algn="ctr"/>
             <a:r>
               <a:rPr lang="en-US" sz="1600" dirty="0"/>
-              <a:t>for successfully completing his/her </a:t>
+              <a:t>for successfully completing his/her 300 hours of On-the-Job Training in Creotec Philippines Inc. relevant and related to his/her course, Bachelor of Science in Computer Engineering.</a:t>
             </a:r>
             <a:r>
               <a:rPr lang="en-US" sz="1600" dirty="0" smtClean="0"/>
-              <a:t>{Hours</a:t>
+              <a:t/>
             </a:r>
             <a:r>
               <a:rPr lang="en-US" sz="1600" dirty="0"/>
-              <a:t>} hours of On-the-Job Training in </a:t>
+              <a:t/>
             </a:r>
             <a:r>
               <a:rPr lang="en-US" sz="1600" dirty="0" err="1"/>
-              <a:t>Creotec</a:t>
+              <a:t/>
             </a:r>
             <a:r>
               <a:rPr lang="en-US" sz="1600" dirty="0"/>
-              <a:t> Philippines Inc. relevant and related to his/her course, {Course}.</a:t>
+              <a:t/>
             </a:r>
           </a:p>
           <a:p>
@@ -3111,15 +3114,15 @@
             <a:pPr algn="ctr"/>
             <a:r>
               <a:rPr lang="en-US" sz="1600" dirty="0"/>
-              <a:t>Given this {Date} at </a:t>
+              <a:t>Given this March 15, 2025 at Creotec Philippines Inc., Laguna Technopark, </a:t>
             </a:r>
             <a:r>
               <a:rPr lang="en-US" sz="1600" dirty="0" err="1"/>
-              <a:t>Creotec</a:t>
+              <a:t/>
             </a:r>
             <a:r>
               <a:rPr lang="en-US" sz="1600" dirty="0"/>
-              <a:t> Philippines Inc., Laguna Technopark, </a:t>
+              <a:t/>
             </a:r>
           </a:p>
           <a:p>
@@ -3189,7 +3192,7 @@
             <a:pPr algn="ctr"/>
             <a:r>
               <a:rPr lang="en-US" sz="3600" b="1" dirty="0"/>
-              <a:t>{Name}</a:t>
+              <a:t>Jennie</a:t>
             </a:r>
             <a:endParaRPr lang="en-US" sz="9600" b="1" dirty="0"/>
           </a:p>
@@ -3226,30 +3229,30 @@
             <a:pPr algn="ctr"/>
             <a:r>
               <a:rPr lang="en-US" sz="1600" b="1" dirty="0"/>
-              <a:t>{School}</a:t>
+              <a:t>BLACKPINK School of Arts &amp; Unapologetic Excellence</a:t>
             </a:r>
           </a:p>
           <a:p>
             <a:pPr algn="ctr"/>
             <a:r>
               <a:rPr lang="en-US" sz="1600" dirty="0"/>
-              <a:t>for successfully completing his/her </a:t>
+              <a:t>for successfully completing his/her 300 hours of On-the-Job Training in Creotec Philippines Inc. relevant and related to his/her course, Bachelor of Advanced Sass and Charisma Management with Minor in Mic Drop Execution.</a:t>
             </a:r>
             <a:r>
               <a:rPr lang="en-US" sz="1600" dirty="0" smtClean="0"/>
-              <a:t>{Hours</a:t>
+              <a:t/>
             </a:r>
             <a:r>
               <a:rPr lang="en-US" sz="1600" dirty="0"/>
-              <a:t>} hours of On-the-Job Training in </a:t>
+              <a:t/>
             </a:r>
             <a:r>
               <a:rPr lang="en-US" sz="1600" dirty="0" err="1"/>
-              <a:t>Creotec</a:t>
+              <a:t/>
             </a:r>
             <a:r>
               <a:rPr lang="en-US" sz="1600" dirty="0"/>
-              <a:t> Philippines Inc. relevant and related to his/her course, {Course}.</a:t>
+              <a:t/>
             </a:r>
           </a:p>
           <a:p>
@@ -3260,15 +3263,15 @@
             <a:pPr algn="ctr"/>
             <a:r>
               <a:rPr lang="en-US" sz="1600" dirty="0"/>
-              <a:t>Given this {Date} at </a:t>
+              <a:t>Given this March 15, 2025 at Creotec Philippines Inc., Laguna Technopark, </a:t>
             </a:r>
             <a:r>
               <a:rPr lang="en-US" sz="1600" dirty="0" err="1"/>
-              <a:t>Creotec</a:t>
+              <a:t/>
             </a:r>
             <a:r>
               <a:rPr lang="en-US" sz="1600" dirty="0"/>
-              <a:t> Philippines Inc., Laguna Technopark, </a:t>
+              <a:t/>
             </a:r>
           </a:p>
           <a:p>
@@ -3333,7 +3336,7 @@
             <a:pPr algn="ctr"/>
             <a:r>
               <a:rPr lang="en-US" sz="3600" b="1" dirty="0"/>
-              <a:t>{Name}</a:t>
+              <a:t>Lara Raj</a:t>
             </a:r>
             <a:endParaRPr lang="en-US" sz="9600" b="1" dirty="0"/>
           </a:p>
@@ -3370,30 +3373,30 @@
             <a:pPr algn="ctr"/>
             <a:r>
               <a:rPr lang="en-US" sz="1600" b="1" dirty="0"/>
-              <a:t>{School}</a:t>
+              <a:t>Katseye Academy</a:t>
             </a:r>
           </a:p>
           <a:p>
             <a:pPr algn="ctr"/>
             <a:r>
               <a:rPr lang="en-US" sz="1600" dirty="0"/>
-              <a:t>for successfully completing his/her </a:t>
+              <a:t>for successfully completing his/her 300 hours of On-the-Job Training in Creotec Philippines Inc. relevant and related to his/her course, Bachelor of Chaotic Good Energy with Major in Meme Strategy &amp; Minor in Unscheduled Existentialism.</a:t>
             </a:r>
             <a:r>
               <a:rPr lang="en-US" sz="1600" dirty="0" smtClean="0"/>
-              <a:t>{Hours</a:t>
+              <a:t/>
             </a:r>
             <a:r>
               <a:rPr lang="en-US" sz="1600" dirty="0"/>
-              <a:t>} hours of On-the-Job Training in </a:t>
+              <a:t/>
             </a:r>
             <a:r>
               <a:rPr lang="en-US" sz="1600" dirty="0" err="1"/>
-              <a:t>Creotec</a:t>
+              <a:t/>
             </a:r>
             <a:r>
               <a:rPr lang="en-US" sz="1600" dirty="0"/>
-              <a:t> Philippines Inc. relevant and related to his/her course, {Course}.</a:t>
+              <a:t/>
             </a:r>
           </a:p>
           <a:p>
@@ -3404,15 +3407,15 @@
             <a:pPr algn="ctr"/>
             <a:r>
               <a:rPr lang="en-US" sz="1600" dirty="0"/>
-              <a:t>Given this {Date} at </a:t>
+              <a:t>Given this March 15, 2025 at Creotec Philippines Inc., Laguna Technopark, </a:t>
             </a:r>
             <a:r>
               <a:rPr lang="en-US" sz="1600" dirty="0" err="1"/>
-              <a:t>Creotec</a:t>
+              <a:t/>
             </a:r>
             <a:r>
               <a:rPr lang="en-US" sz="1600" dirty="0"/>
-              <a:t> Philippines Inc., Laguna Technopark, </a:t>
+              <a:t/>
             </a:r>
           </a:p>
           <a:p>
@@ -3477,7 +3480,7 @@
             <a:pPr algn="ctr"/>
             <a:r>
               <a:rPr lang="en-US" sz="3600" b="1" dirty="0"/>
-              <a:t>{Name}</a:t>
+              <a:t>Joy Domingo</a:t>
             </a:r>
             <a:endParaRPr lang="en-US" sz="9600" b="1" dirty="0"/>
           </a:p>
@@ -3514,30 +3517,30 @@
             <a:pPr algn="ctr"/>
             <a:r>
               <a:rPr lang="en-US" sz="1600" b="1" dirty="0"/>
-              <a:t>{School}</a:t>
+              <a:t>Batangas State University</a:t>
             </a:r>
           </a:p>
           <a:p>
             <a:pPr algn="ctr"/>
             <a:r>
               <a:rPr lang="en-US" sz="1600" dirty="0"/>
-              <a:t>for successfully completing his/her </a:t>
+              <a:t>for successfully completing his/her 300 hours of On-the-Job Training in Creotec Philippines Inc. relevant and related to his/her course, Bachelor of Science in Computer Science.</a:t>
             </a:r>
             <a:r>
               <a:rPr lang="en-US" sz="1600" dirty="0" smtClean="0"/>
-              <a:t>{Hours</a:t>
+              <a:t/>
             </a:r>
             <a:r>
               <a:rPr lang="en-US" sz="1600" dirty="0"/>
-              <a:t>} hours of On-the-Job Training in </a:t>
+              <a:t/>
             </a:r>
             <a:r>
               <a:rPr lang="en-US" sz="1600" dirty="0" err="1"/>
-              <a:t>Creotec</a:t>
+              <a:t/>
             </a:r>
             <a:r>
               <a:rPr lang="en-US" sz="1600" dirty="0"/>
-              <a:t> Philippines Inc. relevant and related to his/her course, {Course}.</a:t>
+              <a:t/>
             </a:r>
           </a:p>
           <a:p>
@@ -3548,15 +3551,447 @@
             <a:pPr algn="ctr"/>
             <a:r>
               <a:rPr lang="en-US" sz="1600" dirty="0"/>
-              <a:t>Given this {Date} at </a:t>
+              <a:t>Given this June 15, 2025 at Creotec Philippines Inc., Laguna Technopark, </a:t>
             </a:r>
             <a:r>
               <a:rPr lang="en-US" sz="1600" dirty="0" err="1"/>
-              <a:t>Creotec</a:t>
+              <a:t/>
             </a:r>
             <a:r>
               <a:rPr lang="en-US" sz="1600" dirty="0"/>
-              <a:t> Philippines Inc., Laguna Technopark, </a:t>
+              <a:t/>
+            </a:r>
+          </a:p>
+          <a:p>
+            <a:pPr algn="ctr"/>
+            <a:r>
+              <a:rPr lang="en-US" sz="1600" dirty="0" err="1"/>
+              <a:t>Biñan</a:t>
+            </a:r>
+            <a:r>
+              <a:rPr lang="en-US" sz="1600" dirty="0"/>
+              <a:t>  City Laguna.</a:t>
+            </a:r>
+          </a:p>
+        </p:txBody>
+      </p:sp>
+    </p:spTree>
+  </p:cSld>
+  <p:clrMapOvr>
+    <a:masterClrMapping/>
+  </p:clrMapOvr>
+</p:sld>
+</file>
+
+<file path=ppt/slides/slide5.xml><?xml version="1.0" encoding="utf-8"?>
+<p:sld xmlns:a="http://schemas.openxmlformats.org/drawingml/2006/main" xmlns:p="http://schemas.openxmlformats.org/presentationml/2006/main" xmlns:r="http://schemas.openxmlformats.org/officeDocument/2006/relationships">
+  <p:cSld>
+    <p:spTree>
+      <p:nvGrpSpPr>
+        <p:cNvPr id="1" name=""/>
+        <p:cNvGrpSpPr/>
+        <p:nvPr/>
+      </p:nvGrpSpPr>
+      <p:grpSpPr/>
+      <p:sp>
+        <p:nvSpPr>
+          <p:cNvPr id="6" name="TextBox 5">
+            <a:extLst>
+              <a:ext uri="{FF2B5EF4-FFF2-40B4-BE49-F238E27FC236}">
+                <a16:creationId xmlns:a16="http://schemas.microsoft.com/office/drawing/2014/main" id="{0534A316-6CBF-406E-9514-F1825DE324AA}"/>
+              </a:ext>
+            </a:extLst>
+          </p:cNvPr>
+          <p:cNvSpPr txBox="1"/>
+          <p:nvPr/>
+        </p:nvSpPr>
+        <p:spPr>
+          <a:xfrm>
+            <a:off x="429490" y="3105834"/>
+            <a:ext cx="8285019" cy="646331"/>
+          </a:xfrm>
+          <a:prstGeom prst="rect">
+            <a:avLst/>
+          </a:prstGeom>
+          <a:noFill/>
+        </p:spPr>
+        <p:txBody>
+          <a:bodyPr wrap="square" rtlCol="0">
+            <a:spAutoFit/>
+          </a:bodyPr>
+          <a:lstStyle/>
+          <a:p>
+            <a:pPr algn="ctr"/>
+            <a:r>
+              <a:rPr lang="en-US" sz="3600" b="1" dirty="0"/>
+              <a:t>Vince Abella</a:t>
+            </a:r>
+            <a:endParaRPr lang="en-US" sz="9600" b="1" dirty="0"/>
+          </a:p>
+        </p:txBody>
+      </p:sp>
+      <p:sp>
+        <p:nvSpPr>
+          <p:cNvPr id="2" name="TextBox 1">
+            <a:extLst>
+              <a:ext uri="{FF2B5EF4-FFF2-40B4-BE49-F238E27FC236}">
+                <a16:creationId xmlns:a16="http://schemas.microsoft.com/office/drawing/2014/main" id="{385D4F6E-A4AA-4BF9-0B5F-BB914A0D5ECD}"/>
+              </a:ext>
+            </a:extLst>
+          </p:cNvPr>
+          <p:cNvSpPr txBox="1"/>
+          <p:nvPr/>
+        </p:nvSpPr>
+        <p:spPr>
+          <a:xfrm>
+            <a:off x="756354" y="3643530"/>
+            <a:ext cx="7822687" cy="1569660"/>
+          </a:xfrm>
+          <a:prstGeom prst="rect">
+            <a:avLst/>
+          </a:prstGeom>
+          <a:noFill/>
+        </p:spPr>
+        <p:txBody>
+          <a:bodyPr wrap="square" rtlCol="0">
+            <a:spAutoFit/>
+          </a:bodyPr>
+          <a:lstStyle/>
+          <a:p>
+            <a:pPr algn="ctr"/>
+            <a:r>
+              <a:rPr lang="en-US" sz="1600" b="1" dirty="0"/>
+              <a:t>Batangas State University</a:t>
+            </a:r>
+          </a:p>
+          <a:p>
+            <a:pPr algn="ctr"/>
+            <a:r>
+              <a:rPr lang="en-US" sz="1600" dirty="0"/>
+              <a:t>for successfully completing his/her 300 hours of On-the-Job Training in Creotec Philippines Inc. relevant and related to his/her course, Bachelor of Science in Computer Science.</a:t>
+            </a:r>
+            <a:r>
+              <a:rPr lang="en-US" sz="1600" dirty="0" smtClean="0"/>
+              <a:t/>
+            </a:r>
+            <a:r>
+              <a:rPr lang="en-US" sz="1600" dirty="0"/>
+              <a:t/>
+            </a:r>
+            <a:r>
+              <a:rPr lang="en-US" sz="1600" dirty="0" err="1"/>
+              <a:t/>
+            </a:r>
+            <a:r>
+              <a:rPr lang="en-US" sz="1600" dirty="0"/>
+              <a:t/>
+            </a:r>
+          </a:p>
+          <a:p>
+            <a:pPr algn="ctr"/>
+            <a:endParaRPr lang="en-US" sz="1600" dirty="0"/>
+          </a:p>
+          <a:p>
+            <a:pPr algn="ctr"/>
+            <a:r>
+              <a:rPr lang="en-US" sz="1600" dirty="0"/>
+              <a:t>Given this June 15, 2025 at Creotec Philippines Inc., Laguna Technopark, </a:t>
+            </a:r>
+            <a:r>
+              <a:rPr lang="en-US" sz="1600" dirty="0" err="1"/>
+              <a:t/>
+            </a:r>
+            <a:r>
+              <a:rPr lang="en-US" sz="1600" dirty="0"/>
+              <a:t/>
+            </a:r>
+          </a:p>
+          <a:p>
+            <a:pPr algn="ctr"/>
+            <a:r>
+              <a:rPr lang="en-US" sz="1600" dirty="0" err="1"/>
+              <a:t>Biñan</a:t>
+            </a:r>
+            <a:r>
+              <a:rPr lang="en-US" sz="1600" dirty="0"/>
+              <a:t>  City Laguna.</a:t>
+            </a:r>
+          </a:p>
+        </p:txBody>
+      </p:sp>
+    </p:spTree>
+  </p:cSld>
+  <p:clrMapOvr>
+    <a:masterClrMapping/>
+  </p:clrMapOvr>
+</p:sld>
+</file>
+
+<file path=ppt/slides/slide6.xml><?xml version="1.0" encoding="utf-8"?>
+<p:sld xmlns:a="http://schemas.openxmlformats.org/drawingml/2006/main" xmlns:p="http://schemas.openxmlformats.org/presentationml/2006/main" xmlns:r="http://schemas.openxmlformats.org/officeDocument/2006/relationships">
+  <p:cSld>
+    <p:spTree>
+      <p:nvGrpSpPr>
+        <p:cNvPr id="1" name=""/>
+        <p:cNvGrpSpPr/>
+        <p:nvPr/>
+      </p:nvGrpSpPr>
+      <p:grpSpPr/>
+      <p:sp>
+        <p:nvSpPr>
+          <p:cNvPr id="6" name="TextBox 5">
+            <a:extLst>
+              <a:ext uri="{FF2B5EF4-FFF2-40B4-BE49-F238E27FC236}">
+                <a16:creationId xmlns:a16="http://schemas.microsoft.com/office/drawing/2014/main" id="{0534A316-6CBF-406E-9514-F1825DE324AA}"/>
+              </a:ext>
+            </a:extLst>
+          </p:cNvPr>
+          <p:cNvSpPr txBox="1"/>
+          <p:nvPr/>
+        </p:nvSpPr>
+        <p:spPr>
+          <a:xfrm>
+            <a:off x="429490" y="3105834"/>
+            <a:ext cx="8285019" cy="646331"/>
+          </a:xfrm>
+          <a:prstGeom prst="rect">
+            <a:avLst/>
+          </a:prstGeom>
+          <a:noFill/>
+        </p:spPr>
+        <p:txBody>
+          <a:bodyPr wrap="square" rtlCol="0">
+            <a:spAutoFit/>
+          </a:bodyPr>
+          <a:lstStyle/>
+          <a:p>
+            <a:pPr algn="ctr"/>
+            <a:r>
+              <a:rPr lang="en-US" sz="3600" b="1" dirty="0"/>
+              <a:t>John Benedict</a:t>
+            </a:r>
+            <a:endParaRPr lang="en-US" sz="9600" b="1" dirty="0"/>
+          </a:p>
+        </p:txBody>
+      </p:sp>
+      <p:sp>
+        <p:nvSpPr>
+          <p:cNvPr id="2" name="TextBox 1">
+            <a:extLst>
+              <a:ext uri="{FF2B5EF4-FFF2-40B4-BE49-F238E27FC236}">
+                <a16:creationId xmlns:a16="http://schemas.microsoft.com/office/drawing/2014/main" id="{385D4F6E-A4AA-4BF9-0B5F-BB914A0D5ECD}"/>
+              </a:ext>
+            </a:extLst>
+          </p:cNvPr>
+          <p:cNvSpPr txBox="1"/>
+          <p:nvPr/>
+        </p:nvSpPr>
+        <p:spPr>
+          <a:xfrm>
+            <a:off x="756354" y="3643530"/>
+            <a:ext cx="7822687" cy="1569660"/>
+          </a:xfrm>
+          <a:prstGeom prst="rect">
+            <a:avLst/>
+          </a:prstGeom>
+          <a:noFill/>
+        </p:spPr>
+        <p:txBody>
+          <a:bodyPr wrap="square" rtlCol="0">
+            <a:spAutoFit/>
+          </a:bodyPr>
+          <a:lstStyle/>
+          <a:p>
+            <a:pPr algn="ctr"/>
+            <a:r>
+              <a:rPr lang="en-US" sz="1600" b="1" dirty="0"/>
+              <a:t>Batangas State University</a:t>
+            </a:r>
+          </a:p>
+          <a:p>
+            <a:pPr algn="ctr"/>
+            <a:r>
+              <a:rPr lang="en-US" sz="1600" dirty="0"/>
+              <a:t>for successfully completing his/her 300 hours of On-the-Job Training in Creotec Philippines Inc. relevant and related to his/her course, Bachelor of Science in Computer Science.</a:t>
+            </a:r>
+            <a:r>
+              <a:rPr lang="en-US" sz="1600" dirty="0" smtClean="0"/>
+              <a:t/>
+            </a:r>
+            <a:r>
+              <a:rPr lang="en-US" sz="1600" dirty="0"/>
+              <a:t/>
+            </a:r>
+            <a:r>
+              <a:rPr lang="en-US" sz="1600" dirty="0" err="1"/>
+              <a:t/>
+            </a:r>
+            <a:r>
+              <a:rPr lang="en-US" sz="1600" dirty="0"/>
+              <a:t/>
+            </a:r>
+          </a:p>
+          <a:p>
+            <a:pPr algn="ctr"/>
+            <a:endParaRPr lang="en-US" sz="1600" dirty="0"/>
+          </a:p>
+          <a:p>
+            <a:pPr algn="ctr"/>
+            <a:r>
+              <a:rPr lang="en-US" sz="1600" dirty="0"/>
+              <a:t>Given this June 15, 2025 at Creotec Philippines Inc., Laguna Technopark, </a:t>
+            </a:r>
+            <a:r>
+              <a:rPr lang="en-US" sz="1600" dirty="0" err="1"/>
+              <a:t/>
+            </a:r>
+            <a:r>
+              <a:rPr lang="en-US" sz="1600" dirty="0"/>
+              <a:t/>
+            </a:r>
+          </a:p>
+          <a:p>
+            <a:pPr algn="ctr"/>
+            <a:r>
+              <a:rPr lang="en-US" sz="1600" dirty="0" err="1"/>
+              <a:t>Biñan</a:t>
+            </a:r>
+            <a:r>
+              <a:rPr lang="en-US" sz="1600" dirty="0"/>
+              <a:t>  City Laguna.</a:t>
+            </a:r>
+          </a:p>
+        </p:txBody>
+      </p:sp>
+    </p:spTree>
+  </p:cSld>
+  <p:clrMapOvr>
+    <a:masterClrMapping/>
+  </p:clrMapOvr>
+</p:sld>
+</file>
+
+<file path=ppt/slides/slide7.xml><?xml version="1.0" encoding="utf-8"?>
+<p:sld xmlns:a="http://schemas.openxmlformats.org/drawingml/2006/main" xmlns:p="http://schemas.openxmlformats.org/presentationml/2006/main" xmlns:r="http://schemas.openxmlformats.org/officeDocument/2006/relationships">
+  <p:cSld>
+    <p:spTree>
+      <p:nvGrpSpPr>
+        <p:cNvPr id="1" name=""/>
+        <p:cNvGrpSpPr/>
+        <p:nvPr/>
+      </p:nvGrpSpPr>
+      <p:grpSpPr/>
+      <p:sp>
+        <p:nvSpPr>
+          <p:cNvPr id="6" name="TextBox 5">
+            <a:extLst>
+              <a:ext uri="{FF2B5EF4-FFF2-40B4-BE49-F238E27FC236}">
+                <a16:creationId xmlns:a16="http://schemas.microsoft.com/office/drawing/2014/main" id="{0534A316-6CBF-406E-9514-F1825DE324AA}"/>
+              </a:ext>
+            </a:extLst>
+          </p:cNvPr>
+          <p:cNvSpPr txBox="1"/>
+          <p:nvPr/>
+        </p:nvSpPr>
+        <p:spPr>
+          <a:xfrm>
+            <a:off x="429490" y="3105834"/>
+            <a:ext cx="8285019" cy="646331"/>
+          </a:xfrm>
+          <a:prstGeom prst="rect">
+            <a:avLst/>
+          </a:prstGeom>
+          <a:noFill/>
+        </p:spPr>
+        <p:txBody>
+          <a:bodyPr wrap="square" rtlCol="0">
+            <a:spAutoFit/>
+          </a:bodyPr>
+          <a:lstStyle/>
+          <a:p>
+            <a:pPr algn="ctr"/>
+            <a:r>
+              <a:rPr lang="en-US" sz="3600" b="1" dirty="0"/>
+              <a:t>Ciavel Montenegro</a:t>
+            </a:r>
+            <a:endParaRPr lang="en-US" sz="9600" b="1" dirty="0"/>
+          </a:p>
+        </p:txBody>
+      </p:sp>
+      <p:sp>
+        <p:nvSpPr>
+          <p:cNvPr id="2" name="TextBox 1">
+            <a:extLst>
+              <a:ext uri="{FF2B5EF4-FFF2-40B4-BE49-F238E27FC236}">
+                <a16:creationId xmlns:a16="http://schemas.microsoft.com/office/drawing/2014/main" id="{385D4F6E-A4AA-4BF9-0B5F-BB914A0D5ECD}"/>
+              </a:ext>
+            </a:extLst>
+          </p:cNvPr>
+          <p:cNvSpPr txBox="1"/>
+          <p:nvPr/>
+        </p:nvSpPr>
+        <p:spPr>
+          <a:xfrm>
+            <a:off x="756354" y="3643530"/>
+            <a:ext cx="7822687" cy="1569660"/>
+          </a:xfrm>
+          <a:prstGeom prst="rect">
+            <a:avLst/>
+          </a:prstGeom>
+          <a:noFill/>
+        </p:spPr>
+        <p:txBody>
+          <a:bodyPr wrap="square" rtlCol="0">
+            <a:spAutoFit/>
+          </a:bodyPr>
+          <a:lstStyle/>
+          <a:p>
+            <a:pPr algn="ctr"/>
+            <a:r>
+              <a:rPr lang="en-US" sz="1600" b="1" dirty="0"/>
+              <a:t>Batangas State University</a:t>
+            </a:r>
+          </a:p>
+          <a:p>
+            <a:pPr algn="ctr"/>
+            <a:r>
+              <a:rPr lang="en-US" sz="1600" dirty="0"/>
+              <a:t>for successfully completing his/her 300 hours of On-the-Job Training in Creotec Philippines Inc. relevant and related to his/her course, Bachelor of Science in Computer Science.</a:t>
+            </a:r>
+            <a:r>
+              <a:rPr lang="en-US" sz="1600" dirty="0" smtClean="0"/>
+              <a:t/>
+            </a:r>
+            <a:r>
+              <a:rPr lang="en-US" sz="1600" dirty="0"/>
+              <a:t/>
+            </a:r>
+            <a:r>
+              <a:rPr lang="en-US" sz="1600" dirty="0" err="1"/>
+              <a:t/>
+            </a:r>
+            <a:r>
+              <a:rPr lang="en-US" sz="1600" dirty="0"/>
+              <a:t/>
+            </a:r>
+          </a:p>
+          <a:p>
+            <a:pPr algn="ctr"/>
+            <a:endParaRPr lang="en-US" sz="1600" dirty="0"/>
+          </a:p>
+          <a:p>
+            <a:pPr algn="ctr"/>
+            <a:r>
+              <a:rPr lang="en-US" sz="1600" dirty="0"/>
+              <a:t>Given this June 15, 2025 at Creotec Philippines Inc., Laguna Technopark, </a:t>
+            </a:r>
+            <a:r>
+              <a:rPr lang="en-US" sz="1600" dirty="0" err="1"/>
+              <a:t/>
+            </a:r>
+            <a:r>
+              <a:rPr lang="en-US" sz="1600" dirty="0"/>
+              <a:t/>
             </a:r>
           </a:p>
           <a:p>
